--- a/tong0768/python/doc/python_function&class.pptx
+++ b/tong0768/python/doc/python_function&class.pptx
@@ -119,391 +119,6 @@
 </p:presentation>
 </file>
 
-<file path=ppt/changesInfos/changesInfo1.xml><?xml version="1.0" encoding="utf-8"?>
-<pc:chgInfo xmlns:a="http://schemas.openxmlformats.org/drawingml/2006/main" xmlns:r="http://schemas.openxmlformats.org/officeDocument/2006/relationships" xmlns:ac="http://schemas.microsoft.com/office/drawing/2013/main/command" xmlns:pc="http://schemas.microsoft.com/office/powerpoint/2013/main/command">
-  <pc:docChgLst>
-    <pc:chgData name="huang yitong" userId="0db1eee99aa2f527" providerId="LiveId" clId="{F2EE92E3-F872-4BA6-9604-ADDABA49A0BD}"/>
-    <pc:docChg chg="undo custSel addSld delSld modSld">
-      <pc:chgData name="huang yitong" userId="0db1eee99aa2f527" providerId="LiveId" clId="{F2EE92E3-F872-4BA6-9604-ADDABA49A0BD}" dt="2022-04-05T11:57:39.502" v="2924" actId="20577"/>
-      <pc:docMkLst>
-        <pc:docMk/>
-      </pc:docMkLst>
-      <pc:sldChg chg="modSp mod">
-        <pc:chgData name="huang yitong" userId="0db1eee99aa2f527" providerId="LiveId" clId="{F2EE92E3-F872-4BA6-9604-ADDABA49A0BD}" dt="2022-04-05T10:54:32.046" v="171" actId="20577"/>
-        <pc:sldMkLst>
-          <pc:docMk/>
-          <pc:sldMk cId="1122056968" sldId="257"/>
-        </pc:sldMkLst>
-        <pc:spChg chg="mod">
-          <ac:chgData name="huang yitong" userId="0db1eee99aa2f527" providerId="LiveId" clId="{F2EE92E3-F872-4BA6-9604-ADDABA49A0BD}" dt="2022-04-05T09:11:52.759" v="44" actId="20577"/>
-          <ac:spMkLst>
-            <pc:docMk/>
-            <pc:sldMk cId="1122056968" sldId="257"/>
-            <ac:spMk id="2" creationId="{7C81C27A-C1A7-4B2B-9EFF-4CB933B00072}"/>
-          </ac:spMkLst>
-        </pc:spChg>
-        <pc:spChg chg="mod">
-          <ac:chgData name="huang yitong" userId="0db1eee99aa2f527" providerId="LiveId" clId="{F2EE92E3-F872-4BA6-9604-ADDABA49A0BD}" dt="2022-04-05T10:54:32.046" v="171" actId="20577"/>
-          <ac:spMkLst>
-            <pc:docMk/>
-            <pc:sldMk cId="1122056968" sldId="257"/>
-            <ac:spMk id="3" creationId="{8C7A723E-50A6-444E-837D-095076109C89}"/>
-          </ac:spMkLst>
-        </pc:spChg>
-      </pc:sldChg>
-      <pc:sldChg chg="new del">
-        <pc:chgData name="huang yitong" userId="0db1eee99aa2f527" providerId="LiveId" clId="{F2EE92E3-F872-4BA6-9604-ADDABA49A0BD}" dt="2022-04-05T10:43:58.721" v="46" actId="47"/>
-        <pc:sldMkLst>
-          <pc:docMk/>
-          <pc:sldMk cId="812251776" sldId="258"/>
-        </pc:sldMkLst>
-      </pc:sldChg>
-      <pc:sldChg chg="modSp new mod">
-        <pc:chgData name="huang yitong" userId="0db1eee99aa2f527" providerId="LiveId" clId="{F2EE92E3-F872-4BA6-9604-ADDABA49A0BD}" dt="2022-04-05T10:58:48.909" v="561" actId="20577"/>
-        <pc:sldMkLst>
-          <pc:docMk/>
-          <pc:sldMk cId="3421280425" sldId="258"/>
-        </pc:sldMkLst>
-        <pc:spChg chg="mod">
-          <ac:chgData name="huang yitong" userId="0db1eee99aa2f527" providerId="LiveId" clId="{F2EE92E3-F872-4BA6-9604-ADDABA49A0BD}" dt="2022-04-05T10:55:05.826" v="205"/>
-          <ac:spMkLst>
-            <pc:docMk/>
-            <pc:sldMk cId="3421280425" sldId="258"/>
-            <ac:spMk id="2" creationId="{397FE5D8-DD3E-40B0-AE09-D92D555BCE6C}"/>
-          </ac:spMkLst>
-        </pc:spChg>
-        <pc:spChg chg="mod">
-          <ac:chgData name="huang yitong" userId="0db1eee99aa2f527" providerId="LiveId" clId="{F2EE92E3-F872-4BA6-9604-ADDABA49A0BD}" dt="2022-04-05T10:58:48.909" v="561" actId="20577"/>
-          <ac:spMkLst>
-            <pc:docMk/>
-            <pc:sldMk cId="3421280425" sldId="258"/>
-            <ac:spMk id="3" creationId="{A2432FDE-9D00-42B3-889F-E8F10443FEB5}"/>
-          </ac:spMkLst>
-        </pc:spChg>
-      </pc:sldChg>
-      <pc:sldChg chg="modSp new mod">
-        <pc:chgData name="huang yitong" userId="0db1eee99aa2f527" providerId="LiveId" clId="{F2EE92E3-F872-4BA6-9604-ADDABA49A0BD}" dt="2022-04-05T11:19:49.297" v="1266" actId="20577"/>
-        <pc:sldMkLst>
-          <pc:docMk/>
-          <pc:sldMk cId="2968109307" sldId="259"/>
-        </pc:sldMkLst>
-        <pc:spChg chg="mod">
-          <ac:chgData name="huang yitong" userId="0db1eee99aa2f527" providerId="LiveId" clId="{F2EE92E3-F872-4BA6-9604-ADDABA49A0BD}" dt="2022-04-05T11:19:49.297" v="1266" actId="20577"/>
-          <ac:spMkLst>
-            <pc:docMk/>
-            <pc:sldMk cId="2968109307" sldId="259"/>
-            <ac:spMk id="2" creationId="{017C5A6D-1431-4B2F-8F13-12D436388717}"/>
-          </ac:spMkLst>
-        </pc:spChg>
-        <pc:spChg chg="mod">
-          <ac:chgData name="huang yitong" userId="0db1eee99aa2f527" providerId="LiveId" clId="{F2EE92E3-F872-4BA6-9604-ADDABA49A0BD}" dt="2022-04-05T11:01:19.781" v="763" actId="20577"/>
-          <ac:spMkLst>
-            <pc:docMk/>
-            <pc:sldMk cId="2968109307" sldId="259"/>
-            <ac:spMk id="3" creationId="{4BA07F26-B59E-4455-A322-12BDF2B084F6}"/>
-          </ac:spMkLst>
-        </pc:spChg>
-      </pc:sldChg>
-      <pc:sldChg chg="modSp new del mod">
-        <pc:chgData name="huang yitong" userId="0db1eee99aa2f527" providerId="LiveId" clId="{F2EE92E3-F872-4BA6-9604-ADDABA49A0BD}" dt="2022-04-05T11:19:46.600" v="1260" actId="47"/>
-        <pc:sldMkLst>
-          <pc:docMk/>
-          <pc:sldMk cId="3945063155" sldId="260"/>
-        </pc:sldMkLst>
-        <pc:spChg chg="mod">
-          <ac:chgData name="huang yitong" userId="0db1eee99aa2f527" providerId="LiveId" clId="{F2EE92E3-F872-4BA6-9604-ADDABA49A0BD}" dt="2022-04-05T11:01:39.561" v="771" actId="20577"/>
-          <ac:spMkLst>
-            <pc:docMk/>
-            <pc:sldMk cId="3945063155" sldId="260"/>
-            <ac:spMk id="2" creationId="{8C9BFC90-1A12-4577-AC68-A351563161A8}"/>
-          </ac:spMkLst>
-        </pc:spChg>
-        <pc:spChg chg="mod">
-          <ac:chgData name="huang yitong" userId="0db1eee99aa2f527" providerId="LiveId" clId="{F2EE92E3-F872-4BA6-9604-ADDABA49A0BD}" dt="2022-04-05T11:09:28.165" v="1184" actId="5793"/>
-          <ac:spMkLst>
-            <pc:docMk/>
-            <pc:sldMk cId="3945063155" sldId="260"/>
-            <ac:spMk id="3" creationId="{1ED05799-6C2B-498C-934B-5D7D2EFCEC82}"/>
-          </ac:spMkLst>
-        </pc:spChg>
-      </pc:sldChg>
-      <pc:sldChg chg="addSp delSp modSp new mod">
-        <pc:chgData name="huang yitong" userId="0db1eee99aa2f527" providerId="LiveId" clId="{F2EE92E3-F872-4BA6-9604-ADDABA49A0BD}" dt="2022-04-05T11:19:41.203" v="1259" actId="20577"/>
-        <pc:sldMkLst>
-          <pc:docMk/>
-          <pc:sldMk cId="3375477326" sldId="261"/>
-        </pc:sldMkLst>
-        <pc:spChg chg="mod">
-          <ac:chgData name="huang yitong" userId="0db1eee99aa2f527" providerId="LiveId" clId="{F2EE92E3-F872-4BA6-9604-ADDABA49A0BD}" dt="2022-04-05T11:19:41.203" v="1259" actId="20577"/>
-          <ac:spMkLst>
-            <pc:docMk/>
-            <pc:sldMk cId="3375477326" sldId="261"/>
-            <ac:spMk id="2" creationId="{08A160F3-B7B1-40D1-8229-2C800635F7A4}"/>
-          </ac:spMkLst>
-        </pc:spChg>
-        <pc:spChg chg="mod">
-          <ac:chgData name="huang yitong" userId="0db1eee99aa2f527" providerId="LiveId" clId="{F2EE92E3-F872-4BA6-9604-ADDABA49A0BD}" dt="2022-04-05T11:14:28.044" v="1202"/>
-          <ac:spMkLst>
-            <pc:docMk/>
-            <pc:sldMk cId="3375477326" sldId="261"/>
-            <ac:spMk id="3" creationId="{EEF3B78C-4EA4-484A-99E0-935F3FFCFD1A}"/>
-          </ac:spMkLst>
-        </pc:spChg>
-        <pc:spChg chg="add del mod">
-          <ac:chgData name="huang yitong" userId="0db1eee99aa2f527" providerId="LiveId" clId="{F2EE92E3-F872-4BA6-9604-ADDABA49A0BD}" dt="2022-04-05T11:18:10.944" v="1209"/>
-          <ac:spMkLst>
-            <pc:docMk/>
-            <pc:sldMk cId="3375477326" sldId="261"/>
-            <ac:spMk id="4" creationId="{2AD5313E-251B-4AB6-B5A2-FF1961EB0CBC}"/>
-          </ac:spMkLst>
-        </pc:spChg>
-        <pc:spChg chg="add del mod">
-          <ac:chgData name="huang yitong" userId="0db1eee99aa2f527" providerId="LiveId" clId="{F2EE92E3-F872-4BA6-9604-ADDABA49A0BD}" dt="2022-04-05T11:14:21.753" v="1191"/>
-          <ac:spMkLst>
-            <pc:docMk/>
-            <pc:sldMk cId="3375477326" sldId="261"/>
-            <ac:spMk id="5" creationId="{C4825AD6-0B64-4E84-8BA3-F8DE7737A4AC}"/>
-          </ac:spMkLst>
-        </pc:spChg>
-        <pc:spChg chg="add del mod">
-          <ac:chgData name="huang yitong" userId="0db1eee99aa2f527" providerId="LiveId" clId="{F2EE92E3-F872-4BA6-9604-ADDABA49A0BD}" dt="2022-04-05T11:14:26.525" v="1193"/>
-          <ac:spMkLst>
-            <pc:docMk/>
-            <pc:sldMk cId="3375477326" sldId="261"/>
-            <ac:spMk id="6" creationId="{99AA1576-0810-4957-882A-35BB49D6D973}"/>
-          </ac:spMkLst>
-        </pc:spChg>
-        <pc:spChg chg="add del mod">
-          <ac:chgData name="huang yitong" userId="0db1eee99aa2f527" providerId="LiveId" clId="{F2EE92E3-F872-4BA6-9604-ADDABA49A0BD}" dt="2022-04-05T11:18:10.092" v="1208"/>
-          <ac:spMkLst>
-            <pc:docMk/>
-            <pc:sldMk cId="3375477326" sldId="261"/>
-            <ac:spMk id="7" creationId="{31FE1E12-E08F-40DB-99BB-BAD963919B7B}"/>
-          </ac:spMkLst>
-        </pc:spChg>
-        <pc:spChg chg="add mod">
-          <ac:chgData name="huang yitong" userId="0db1eee99aa2f527" providerId="LiveId" clId="{F2EE92E3-F872-4BA6-9604-ADDABA49A0BD}" dt="2022-04-05T11:18:10.944" v="1209"/>
-          <ac:spMkLst>
-            <pc:docMk/>
-            <pc:sldMk cId="3375477326" sldId="261"/>
-            <ac:spMk id="8" creationId="{F3BDD5C4-4777-40F9-A486-53E7CF4FB8DB}"/>
-          </ac:spMkLst>
-        </pc:spChg>
-      </pc:sldChg>
-      <pc:sldChg chg="modSp add del mod">
-        <pc:chgData name="huang yitong" userId="0db1eee99aa2f527" providerId="LiveId" clId="{F2EE92E3-F872-4BA6-9604-ADDABA49A0BD}" dt="2022-04-05T11:19:23.548" v="1217" actId="47"/>
-        <pc:sldMkLst>
-          <pc:docMk/>
-          <pc:sldMk cId="3903543097" sldId="262"/>
-        </pc:sldMkLst>
-        <pc:spChg chg="mod">
-          <ac:chgData name="huang yitong" userId="0db1eee99aa2f527" providerId="LiveId" clId="{F2EE92E3-F872-4BA6-9604-ADDABA49A0BD}" dt="2022-04-05T11:19:05.327" v="1215" actId="20577"/>
-          <ac:spMkLst>
-            <pc:docMk/>
-            <pc:sldMk cId="3903543097" sldId="262"/>
-            <ac:spMk id="2" creationId="{08A160F3-B7B1-40D1-8229-2C800635F7A4}"/>
-          </ac:spMkLst>
-        </pc:spChg>
-      </pc:sldChg>
-      <pc:sldChg chg="addSp delSp modSp new mod">
-        <pc:chgData name="huang yitong" userId="0db1eee99aa2f527" providerId="LiveId" clId="{F2EE92E3-F872-4BA6-9604-ADDABA49A0BD}" dt="2022-04-05T11:28:43.661" v="1602"/>
-        <pc:sldMkLst>
-          <pc:docMk/>
-          <pc:sldMk cId="987186108" sldId="263"/>
-        </pc:sldMkLst>
-        <pc:spChg chg="mod">
-          <ac:chgData name="huang yitong" userId="0db1eee99aa2f527" providerId="LiveId" clId="{F2EE92E3-F872-4BA6-9604-ADDABA49A0BD}" dt="2022-04-05T11:19:36.943" v="1253" actId="20577"/>
-          <ac:spMkLst>
-            <pc:docMk/>
-            <pc:sldMk cId="987186108" sldId="263"/>
-            <ac:spMk id="2" creationId="{139DFA9A-2E9A-4A59-B967-62DA56E70B4E}"/>
-          </ac:spMkLst>
-        </pc:spChg>
-        <pc:spChg chg="mod">
-          <ac:chgData name="huang yitong" userId="0db1eee99aa2f527" providerId="LiveId" clId="{F2EE92E3-F872-4BA6-9604-ADDABA49A0BD}" dt="2022-04-05T11:23:22.355" v="1600" actId="20577"/>
-          <ac:spMkLst>
-            <pc:docMk/>
-            <pc:sldMk cId="987186108" sldId="263"/>
-            <ac:spMk id="3" creationId="{719297F4-E53E-4B97-9CDC-87A92BD9B26F}"/>
-          </ac:spMkLst>
-        </pc:spChg>
-        <pc:spChg chg="del mod">
-          <ac:chgData name="huang yitong" userId="0db1eee99aa2f527" providerId="LiveId" clId="{F2EE92E3-F872-4BA6-9604-ADDABA49A0BD}" dt="2022-04-05T11:28:43.661" v="1602"/>
-          <ac:spMkLst>
-            <pc:docMk/>
-            <pc:sldMk cId="987186108" sldId="263"/>
-            <ac:spMk id="4" creationId="{D61C2138-F649-48BD-AB1B-B5E523651C4E}"/>
-          </ac:spMkLst>
-        </pc:spChg>
-        <pc:spChg chg="add mod">
-          <ac:chgData name="huang yitong" userId="0db1eee99aa2f527" providerId="LiveId" clId="{F2EE92E3-F872-4BA6-9604-ADDABA49A0BD}" dt="2022-04-05T11:28:43.661" v="1602"/>
-          <ac:spMkLst>
-            <pc:docMk/>
-            <pc:sldMk cId="987186108" sldId="263"/>
-            <ac:spMk id="5" creationId="{15CB2A02-8E8C-4CB0-8094-133324E5523D}"/>
-          </ac:spMkLst>
-        </pc:spChg>
-      </pc:sldChg>
-      <pc:sldChg chg="modSp new mod">
-        <pc:chgData name="huang yitong" userId="0db1eee99aa2f527" providerId="LiveId" clId="{F2EE92E3-F872-4BA6-9604-ADDABA49A0BD}" dt="2022-04-05T11:30:07.343" v="1746" actId="20577"/>
-        <pc:sldMkLst>
-          <pc:docMk/>
-          <pc:sldMk cId="482402581" sldId="264"/>
-        </pc:sldMkLst>
-        <pc:spChg chg="mod">
-          <ac:chgData name="huang yitong" userId="0db1eee99aa2f527" providerId="LiveId" clId="{F2EE92E3-F872-4BA6-9604-ADDABA49A0BD}" dt="2022-04-05T11:29:08.318" v="1616" actId="20577"/>
-          <ac:spMkLst>
-            <pc:docMk/>
-            <pc:sldMk cId="482402581" sldId="264"/>
-            <ac:spMk id="2" creationId="{C96F22F4-4097-4CAD-A06F-C7C926BBC64E}"/>
-          </ac:spMkLst>
-        </pc:spChg>
-        <pc:spChg chg="mod">
-          <ac:chgData name="huang yitong" userId="0db1eee99aa2f527" providerId="LiveId" clId="{F2EE92E3-F872-4BA6-9604-ADDABA49A0BD}" dt="2022-04-05T11:30:07.343" v="1746" actId="20577"/>
-          <ac:spMkLst>
-            <pc:docMk/>
-            <pc:sldMk cId="482402581" sldId="264"/>
-            <ac:spMk id="3" creationId="{7A10D126-F2FF-4621-A9DC-324B2384FE6F}"/>
-          </ac:spMkLst>
-        </pc:spChg>
-      </pc:sldChg>
-      <pc:sldChg chg="addSp delSp modSp new mod">
-        <pc:chgData name="huang yitong" userId="0db1eee99aa2f527" providerId="LiveId" clId="{F2EE92E3-F872-4BA6-9604-ADDABA49A0BD}" dt="2022-04-05T11:38:12.370" v="2020"/>
-        <pc:sldMkLst>
-          <pc:docMk/>
-          <pc:sldMk cId="3506039201" sldId="265"/>
-        </pc:sldMkLst>
-        <pc:spChg chg="mod">
-          <ac:chgData name="huang yitong" userId="0db1eee99aa2f527" providerId="LiveId" clId="{F2EE92E3-F872-4BA6-9604-ADDABA49A0BD}" dt="2022-04-05T11:30:42.848" v="1768" actId="20577"/>
-          <ac:spMkLst>
-            <pc:docMk/>
-            <pc:sldMk cId="3506039201" sldId="265"/>
-            <ac:spMk id="2" creationId="{2E82EF81-6E70-4F02-832C-B99210729209}"/>
-          </ac:spMkLst>
-        </pc:spChg>
-        <pc:spChg chg="mod">
-          <ac:chgData name="huang yitong" userId="0db1eee99aa2f527" providerId="LiveId" clId="{F2EE92E3-F872-4BA6-9604-ADDABA49A0BD}" dt="2022-04-05T11:32:10.147" v="2015" actId="20577"/>
-          <ac:spMkLst>
-            <pc:docMk/>
-            <pc:sldMk cId="3506039201" sldId="265"/>
-            <ac:spMk id="3" creationId="{132C12F3-0450-45FF-8B8E-25BB49A23380}"/>
-          </ac:spMkLst>
-        </pc:spChg>
-        <pc:spChg chg="add del mod">
-          <ac:chgData name="huang yitong" userId="0db1eee99aa2f527" providerId="LiveId" clId="{F2EE92E3-F872-4BA6-9604-ADDABA49A0BD}" dt="2022-04-05T11:38:12.370" v="2020"/>
-          <ac:spMkLst>
-            <pc:docMk/>
-            <pc:sldMk cId="3506039201" sldId="265"/>
-            <ac:spMk id="4" creationId="{15827259-054F-4784-B13A-8CE59B771B43}"/>
-          </ac:spMkLst>
-        </pc:spChg>
-        <pc:spChg chg="add del mod">
-          <ac:chgData name="huang yitong" userId="0db1eee99aa2f527" providerId="LiveId" clId="{F2EE92E3-F872-4BA6-9604-ADDABA49A0BD}" dt="2022-04-05T11:38:00.438" v="2019"/>
-          <ac:spMkLst>
-            <pc:docMk/>
-            <pc:sldMk cId="3506039201" sldId="265"/>
-            <ac:spMk id="5" creationId="{657E90AA-F569-4F35-ACDA-07723E65601D}"/>
-          </ac:spMkLst>
-        </pc:spChg>
-        <pc:spChg chg="add mod">
-          <ac:chgData name="huang yitong" userId="0db1eee99aa2f527" providerId="LiveId" clId="{F2EE92E3-F872-4BA6-9604-ADDABA49A0BD}" dt="2022-04-05T11:38:12.370" v="2020"/>
-          <ac:spMkLst>
-            <pc:docMk/>
-            <pc:sldMk cId="3506039201" sldId="265"/>
-            <ac:spMk id="6" creationId="{1BCC1EC9-A333-497E-BEA2-64395B28E7B2}"/>
-          </ac:spMkLst>
-        </pc:spChg>
-      </pc:sldChg>
-      <pc:sldChg chg="modSp new mod">
-        <pc:chgData name="huang yitong" userId="0db1eee99aa2f527" providerId="LiveId" clId="{F2EE92E3-F872-4BA6-9604-ADDABA49A0BD}" dt="2022-04-05T11:42:47.534" v="2396" actId="20577"/>
-        <pc:sldMkLst>
-          <pc:docMk/>
-          <pc:sldMk cId="4240505720" sldId="266"/>
-        </pc:sldMkLst>
-        <pc:spChg chg="mod">
-          <ac:chgData name="huang yitong" userId="0db1eee99aa2f527" providerId="LiveId" clId="{F2EE92E3-F872-4BA6-9604-ADDABA49A0BD}" dt="2022-04-05T11:38:57.013" v="2035" actId="20577"/>
-          <ac:spMkLst>
-            <pc:docMk/>
-            <pc:sldMk cId="4240505720" sldId="266"/>
-            <ac:spMk id="2" creationId="{15CFE188-CB70-4D02-82A2-CF73BEEBDC74}"/>
-          </ac:spMkLst>
-        </pc:spChg>
-        <pc:spChg chg="mod">
-          <ac:chgData name="huang yitong" userId="0db1eee99aa2f527" providerId="LiveId" clId="{F2EE92E3-F872-4BA6-9604-ADDABA49A0BD}" dt="2022-04-05T11:42:09.461" v="2325" actId="27636"/>
-          <ac:spMkLst>
-            <pc:docMk/>
-            <pc:sldMk cId="4240505720" sldId="266"/>
-            <ac:spMk id="3" creationId="{F60E1C22-4608-4434-9DC0-683BA48B1330}"/>
-          </ac:spMkLst>
-        </pc:spChg>
-        <pc:spChg chg="mod">
-          <ac:chgData name="huang yitong" userId="0db1eee99aa2f527" providerId="LiveId" clId="{F2EE92E3-F872-4BA6-9604-ADDABA49A0BD}" dt="2022-04-05T11:42:47.534" v="2396" actId="20577"/>
-          <ac:spMkLst>
-            <pc:docMk/>
-            <pc:sldMk cId="4240505720" sldId="266"/>
-            <ac:spMk id="4" creationId="{C02743AF-083C-41E2-B0BD-EC77B5BC4774}"/>
-          </ac:spMkLst>
-        </pc:spChg>
-      </pc:sldChg>
-      <pc:sldChg chg="modSp new mod">
-        <pc:chgData name="huang yitong" userId="0db1eee99aa2f527" providerId="LiveId" clId="{F2EE92E3-F872-4BA6-9604-ADDABA49A0BD}" dt="2022-04-05T11:47:42.404" v="2846" actId="20577"/>
-        <pc:sldMkLst>
-          <pc:docMk/>
-          <pc:sldMk cId="3431964162" sldId="267"/>
-        </pc:sldMkLst>
-        <pc:spChg chg="mod">
-          <ac:chgData name="huang yitong" userId="0db1eee99aa2f527" providerId="LiveId" clId="{F2EE92E3-F872-4BA6-9604-ADDABA49A0BD}" dt="2022-04-05T11:43:44.656" v="2422" actId="20577"/>
-          <ac:spMkLst>
-            <pc:docMk/>
-            <pc:sldMk cId="3431964162" sldId="267"/>
-            <ac:spMk id="2" creationId="{B1966AD3-AFA3-4574-A3A1-373E9F9A2A2C}"/>
-          </ac:spMkLst>
-        </pc:spChg>
-        <pc:spChg chg="mod">
-          <ac:chgData name="huang yitong" userId="0db1eee99aa2f527" providerId="LiveId" clId="{F2EE92E3-F872-4BA6-9604-ADDABA49A0BD}" dt="2022-04-05T11:45:14.833" v="2599" actId="20577"/>
-          <ac:spMkLst>
-            <pc:docMk/>
-            <pc:sldMk cId="3431964162" sldId="267"/>
-            <ac:spMk id="3" creationId="{F9AC7CBE-0B30-413B-A6D7-1A7A269689AB}"/>
-          </ac:spMkLst>
-        </pc:spChg>
-        <pc:spChg chg="mod">
-          <ac:chgData name="huang yitong" userId="0db1eee99aa2f527" providerId="LiveId" clId="{F2EE92E3-F872-4BA6-9604-ADDABA49A0BD}" dt="2022-04-05T11:47:42.404" v="2846" actId="20577"/>
-          <ac:spMkLst>
-            <pc:docMk/>
-            <pc:sldMk cId="3431964162" sldId="267"/>
-            <ac:spMk id="4" creationId="{FA68B644-08D8-407B-84B2-8B189A0F3C8B}"/>
-          </ac:spMkLst>
-        </pc:spChg>
-      </pc:sldChg>
-      <pc:sldChg chg="modSp new mod">
-        <pc:chgData name="huang yitong" userId="0db1eee99aa2f527" providerId="LiveId" clId="{F2EE92E3-F872-4BA6-9604-ADDABA49A0BD}" dt="2022-04-05T11:57:39.502" v="2924" actId="20577"/>
-        <pc:sldMkLst>
-          <pc:docMk/>
-          <pc:sldMk cId="1561917872" sldId="268"/>
-        </pc:sldMkLst>
-        <pc:spChg chg="mod">
-          <ac:chgData name="huang yitong" userId="0db1eee99aa2f527" providerId="LiveId" clId="{F2EE92E3-F872-4BA6-9604-ADDABA49A0BD}" dt="2022-04-05T11:56:48.284" v="2872" actId="20577"/>
-          <ac:spMkLst>
-            <pc:docMk/>
-            <pc:sldMk cId="1561917872" sldId="268"/>
-            <ac:spMk id="2" creationId="{A293C077-BE07-439D-B5DB-C39D03628F31}"/>
-          </ac:spMkLst>
-        </pc:spChg>
-        <pc:spChg chg="mod">
-          <ac:chgData name="huang yitong" userId="0db1eee99aa2f527" providerId="LiveId" clId="{F2EE92E3-F872-4BA6-9604-ADDABA49A0BD}" dt="2022-04-05T11:57:39.502" v="2924" actId="20577"/>
-          <ac:spMkLst>
-            <pc:docMk/>
-            <pc:sldMk cId="1561917872" sldId="268"/>
-            <ac:spMk id="3" creationId="{0BFEC120-CB64-4891-B46C-5AA1178AFB96}"/>
-          </ac:spMkLst>
-        </pc:spChg>
-      </pc:sldChg>
-    </pc:docChg>
-  </pc:docChgLst>
-</pc:chgInfo>
-</file>
-
 <file path=ppt/handoutMasters/handoutMaster1.xml><?xml version="1.0" encoding="utf-8"?>
 <p:handoutMaster xmlns:a="http://schemas.openxmlformats.org/drawingml/2006/main" xmlns:r="http://schemas.openxmlformats.org/officeDocument/2006/relationships" xmlns:p="http://schemas.openxmlformats.org/presentationml/2006/main">
   <p:cSld>
@@ -586,7 +201,7 @@
           <a:p>
             <a:fld id="{BDEC87FF-9CAD-F84D-85B0-5DE10641B6B9}" type="datetimeFigureOut">
               <a:rPr kumimoji="1" lang="zh-CN" altLang="en-US" smtClean="0"/>
-              <a:t>2022/4/16</a:t>
+              <a:t>2024/12/13</a:t>
             </a:fld>
             <a:endParaRPr kumimoji="1" lang="zh-CN" altLang="en-US"/>
           </a:p>
@@ -865,7 +480,7 @@
           <a:p>
             <a:fld id="{E6C6D6C3-BAB9-4DA8-AD40-D4879FED30DF}" type="datetimeFigureOut">
               <a:rPr lang="zh-CN" altLang="en-US" smtClean="0"/>
-              <a:t>2022/4/16</a:t>
+              <a:t>2024/12/13</a:t>
             </a:fld>
             <a:endParaRPr lang="zh-CN" altLang="en-US"/>
           </a:p>
@@ -1086,7 +701,7 @@
           <a:p>
             <a:fld id="{E6C6D6C3-BAB9-4DA8-AD40-D4879FED30DF}" type="datetimeFigureOut">
               <a:rPr lang="zh-CN" altLang="en-US" smtClean="0"/>
-              <a:t>2022/4/16</a:t>
+              <a:t>2024/12/13</a:t>
             </a:fld>
             <a:endParaRPr lang="zh-CN" altLang="en-US"/>
           </a:p>
@@ -1266,7 +881,7 @@
           <a:p>
             <a:fld id="{E6C6D6C3-BAB9-4DA8-AD40-D4879FED30DF}" type="datetimeFigureOut">
               <a:rPr lang="zh-CN" altLang="en-US" smtClean="0"/>
-              <a:t>2022/4/16</a:t>
+              <a:t>2024/12/13</a:t>
             </a:fld>
             <a:endParaRPr lang="zh-CN" altLang="en-US"/>
           </a:p>
@@ -1436,7 +1051,7 @@
           <a:p>
             <a:fld id="{E6C6D6C3-BAB9-4DA8-AD40-D4879FED30DF}" type="datetimeFigureOut">
               <a:rPr lang="zh-CN" altLang="en-US" smtClean="0"/>
-              <a:t>2022/4/16</a:t>
+              <a:t>2024/12/13</a:t>
             </a:fld>
             <a:endParaRPr lang="zh-CN" altLang="en-US"/>
           </a:p>
@@ -1687,7 +1302,7 @@
           <a:p>
             <a:fld id="{E6C6D6C3-BAB9-4DA8-AD40-D4879FED30DF}" type="datetimeFigureOut">
               <a:rPr lang="zh-CN" altLang="en-US" smtClean="0"/>
-              <a:t>2022/4/16</a:t>
+              <a:t>2024/12/13</a:t>
             </a:fld>
             <a:endParaRPr lang="zh-CN" altLang="en-US"/>
           </a:p>
@@ -2010,7 +1625,7 @@
           <a:p>
             <a:fld id="{E6C6D6C3-BAB9-4DA8-AD40-D4879FED30DF}" type="datetimeFigureOut">
               <a:rPr lang="zh-CN" altLang="en-US" smtClean="0"/>
-              <a:t>2022/4/16</a:t>
+              <a:t>2024/12/13</a:t>
             </a:fld>
             <a:endParaRPr lang="zh-CN" altLang="en-US"/>
           </a:p>
@@ -2434,7 +2049,7 @@
           <a:p>
             <a:fld id="{E6C6D6C3-BAB9-4DA8-AD40-D4879FED30DF}" type="datetimeFigureOut">
               <a:rPr lang="zh-CN" altLang="en-US" smtClean="0"/>
-              <a:t>2022/4/16</a:t>
+              <a:t>2024/12/13</a:t>
             </a:fld>
             <a:endParaRPr lang="zh-CN" altLang="en-US"/>
           </a:p>
@@ -2552,7 +2167,7 @@
           <a:p>
             <a:fld id="{E6C6D6C3-BAB9-4DA8-AD40-D4879FED30DF}" type="datetimeFigureOut">
               <a:rPr lang="zh-CN" altLang="en-US" smtClean="0"/>
-              <a:t>2022/4/16</a:t>
+              <a:t>2024/12/13</a:t>
             </a:fld>
             <a:endParaRPr lang="zh-CN" altLang="en-US"/>
           </a:p>
@@ -2647,7 +2262,7 @@
           <a:p>
             <a:fld id="{E6C6D6C3-BAB9-4DA8-AD40-D4879FED30DF}" type="datetimeFigureOut">
               <a:rPr lang="zh-CN" altLang="en-US" smtClean="0"/>
-              <a:t>2022/4/16</a:t>
+              <a:t>2024/12/13</a:t>
             </a:fld>
             <a:endParaRPr lang="zh-CN" altLang="en-US"/>
           </a:p>
@@ -2937,7 +2552,7 @@
           <a:p>
             <a:fld id="{E6C6D6C3-BAB9-4DA8-AD40-D4879FED30DF}" type="datetimeFigureOut">
               <a:rPr lang="zh-CN" altLang="en-US" smtClean="0"/>
-              <a:t>2022/4/16</a:t>
+              <a:t>2024/12/13</a:t>
             </a:fld>
             <a:endParaRPr lang="zh-CN" altLang="en-US"/>
           </a:p>
@@ -3209,7 +2824,7 @@
           <a:p>
             <a:fld id="{E6C6D6C3-BAB9-4DA8-AD40-D4879FED30DF}" type="datetimeFigureOut">
               <a:rPr lang="zh-CN" altLang="en-US" smtClean="0"/>
-              <a:t>2022/4/16</a:t>
+              <a:t>2024/12/13</a:t>
             </a:fld>
             <a:endParaRPr lang="zh-CN" altLang="en-US"/>
           </a:p>
@@ -3463,7 +3078,7 @@
           <a:p>
             <a:fld id="{E6C6D6C3-BAB9-4DA8-AD40-D4879FED30DF}" type="datetimeFigureOut">
               <a:rPr lang="zh-CN" altLang="en-US" smtClean="0"/>
-              <a:t>2022/4/16</a:t>
+              <a:t>2024/12/13</a:t>
             </a:fld>
             <a:endParaRPr lang="zh-CN" altLang="en-US"/>
           </a:p>
